--- a/Documentation/게임제작1_01_버거조.ppt.pptx
+++ b/Documentation/게임제작1_01_버거조.ppt.pptx
@@ -157,6 +157,7 @@
     <p1510:client id="{AF300323-29B9-9C62-8655-7ACADB875241}" v="2338" dt="2024-10-13T14:54:26.572"/>
     <p1510:client id="{CCE00B97-7342-AE1A-5E07-0469D0365751}" v="439" dt="2024-10-14T13:02:44.889"/>
     <p1510:client id="{DD632B9D-DBC1-281C-2468-DAF172B253F9}" v="1585" dt="2024-10-14T12:34:18.142"/>
+    <p1510:client id="{EE552E93-F33E-C66F-3172-6EDCA3EF7E03}" v="72" dt="2024-10-14T15:22:40.423"/>
   </p1510:revLst>
 </p1510:revInfo>
 </file>
@@ -181,7 +182,7 @@
           <inkml:channelProperty channel="OE" name="resolution" value="1000" units="1/deg"/>
         </inkml:channelProperties>
       </inkml:inkSource>
-      <inkml:timestamp xml:id="ts0" timeString="2024-10-14T13:15:53.672"/>
+      <inkml:timestamp xml:id="ts0" timeString="2024-10-14T14:47:03.025"/>
     </inkml:context>
     <inkml:brush xml:id="br0">
       <inkml:brushProperty name="width" value="0.1" units="cm"/>
@@ -212,7 +213,7 @@
           <inkml:channelProperty channel="OE" name="resolution" value="1000" units="1/deg"/>
         </inkml:channelProperties>
       </inkml:inkSource>
-      <inkml:timestamp xml:id="ts0" timeString="2024-10-14T13:15:53.673"/>
+      <inkml:timestamp xml:id="ts0" timeString="2024-10-14T14:47:03.026"/>
     </inkml:context>
     <inkml:brush xml:id="br0">
       <inkml:brushProperty name="width" value="0.1" units="cm"/>
@@ -243,7 +244,7 @@
           <inkml:channelProperty channel="OE" name="resolution" value="1000" units="1/deg"/>
         </inkml:channelProperties>
       </inkml:inkSource>
-      <inkml:timestamp xml:id="ts0" timeString="2024-10-14T13:15:53.674"/>
+      <inkml:timestamp xml:id="ts0" timeString="2024-10-14T14:47:03.027"/>
     </inkml:context>
     <inkml:brush xml:id="br0">
       <inkml:brushProperty name="width" value="0.1" units="cm"/>
@@ -7552,7 +7553,7 @@
         </p:nvGrpSpPr>
         <p:grpSpPr>
           <a:xfrm>
-            <a:off x="1160" y="2322"/>
+            <a:off x="1160" y="9187"/>
             <a:ext cx="12184878" cy="6854516"/>
             <a:chOff x="1160" y="2322"/>
             <a:chExt cx="12184878" cy="6854516"/>
@@ -7774,10 +7775,10 @@
       </p:sp>
       <p:pic>
         <p:nvPicPr>
-          <p:cNvPr id="6" name="그림 5" descr="텍스트, 스크린샷, 폰트, 도표이(가) 표시된 사진&#10;&#10;자동 생성된 설명">
+          <p:cNvPr id="4" name="그림 3" descr="텍스트, 스크린샷, 폰트, 도표이(가) 표시된 사진&#10;&#10;자동 생성된 설명">
             <a:extLst>
               <a:ext uri="{FF2B5EF4-FFF2-40B4-BE49-F238E27FC236}">
-                <a16:creationId xmlns:a16="http://schemas.microsoft.com/office/drawing/2014/main" id="{135EEDAB-BC97-90A8-F834-4042436F9CBB}"/>
+                <a16:creationId xmlns:a16="http://schemas.microsoft.com/office/drawing/2014/main" id="{ED9247A9-B966-A86D-9D9B-95FD6DE8B228}"/>
               </a:ext>
             </a:extLst>
           </p:cNvPr>
@@ -7794,8 +7795,8 @@
         </p:blipFill>
         <p:spPr>
           <a:xfrm>
-            <a:off x="3047921" y="274595"/>
-            <a:ext cx="7462265" cy="6308811"/>
+            <a:off x="3173215" y="295190"/>
+            <a:ext cx="7143029" cy="6041081"/>
           </a:xfrm>
           <a:prstGeom prst="rect">
             <a:avLst/>
@@ -7812,6 +7813,259 @@
           </a:effectLst>
         </p:spPr>
       </p:pic>
+      <p:sp>
+        <p:nvSpPr>
+          <p:cNvPr id="5" name="TextBox 4">
+            <a:extLst>
+              <a:ext uri="{FF2B5EF4-FFF2-40B4-BE49-F238E27FC236}">
+                <a16:creationId xmlns:a16="http://schemas.microsoft.com/office/drawing/2014/main" id="{60AA3720-3400-7BEC-ED85-34043B8FEE54}"/>
+              </a:ext>
+            </a:extLst>
+          </p:cNvPr>
+          <p:cNvSpPr txBox="1"/>
+          <p:nvPr/>
+        </p:nvSpPr>
+        <p:spPr>
+          <a:xfrm>
+            <a:off x="2148703" y="1379838"/>
+            <a:ext cx="2743199" cy="307777"/>
+          </a:xfrm>
+          <a:prstGeom prst="rect">
+            <a:avLst/>
+          </a:prstGeom>
+          <a:noFill/>
+        </p:spPr>
+        <p:txBody>
+          <a:bodyPr rot="0" spcFirstLastPara="0" vertOverflow="overflow" horzOverflow="overflow" vert="horz" wrap="square" lIns="91440" tIns="45720" rIns="91440" bIns="45720" numCol="1" spcCol="0" rtlCol="0" fromWordArt="0" anchor="t" anchorCtr="0" forceAA="0" compatLnSpc="1">
+            <a:prstTxWarp prst="textNoShape">
+              <a:avLst/>
+            </a:prstTxWarp>
+            <a:spAutoFit/>
+          </a:bodyPr>
+          <a:lstStyle/>
+          <a:p>
+            <a:r>
+              <a:rPr lang="ko-KR" altLang="en-US" sz="1400" b="1" dirty="0">
+                <a:latin typeface="나눔고딕"/>
+                <a:ea typeface="나눔고딕"/>
+              </a:rPr>
+              <a:t>루프 생성</a:t>
+            </a:r>
+          </a:p>
+        </p:txBody>
+      </p:sp>
+      <p:sp>
+        <p:nvSpPr>
+          <p:cNvPr id="8" name="TextBox 7">
+            <a:extLst>
+              <a:ext uri="{FF2B5EF4-FFF2-40B4-BE49-F238E27FC236}">
+                <a16:creationId xmlns:a16="http://schemas.microsoft.com/office/drawing/2014/main" id="{355D24B4-5835-E68D-9C6D-8AEA36CB655D}"/>
+              </a:ext>
+            </a:extLst>
+          </p:cNvPr>
+          <p:cNvSpPr txBox="1"/>
+          <p:nvPr/>
+        </p:nvSpPr>
+        <p:spPr>
+          <a:xfrm>
+            <a:off x="1997676" y="3102918"/>
+            <a:ext cx="2743199" cy="307777"/>
+          </a:xfrm>
+          <a:prstGeom prst="rect">
+            <a:avLst/>
+          </a:prstGeom>
+          <a:noFill/>
+        </p:spPr>
+        <p:txBody>
+          <a:bodyPr rot="0" spcFirstLastPara="0" vertOverflow="overflow" horzOverflow="overflow" vert="horz" wrap="square" lIns="91440" tIns="45720" rIns="91440" bIns="45720" numCol="1" spcCol="0" rtlCol="0" fromWordArt="0" anchor="t" anchorCtr="0" forceAA="0" compatLnSpc="1">
+            <a:prstTxWarp prst="textNoShape">
+              <a:avLst/>
+            </a:prstTxWarp>
+            <a:spAutoFit/>
+          </a:bodyPr>
+          <a:lstStyle/>
+          <a:p>
+            <a:r>
+              <a:rPr lang="ko-KR" altLang="en-US" sz="1400" b="1" dirty="0">
+                <a:latin typeface="나눔고딕"/>
+                <a:ea typeface="나눔고딕"/>
+              </a:rPr>
+              <a:t>업데이트</a:t>
+            </a:r>
+          </a:p>
+        </p:txBody>
+      </p:sp>
+      <p:sp>
+        <p:nvSpPr>
+          <p:cNvPr id="11" name="TextBox 10">
+            <a:extLst>
+              <a:ext uri="{FF2B5EF4-FFF2-40B4-BE49-F238E27FC236}">
+                <a16:creationId xmlns:a16="http://schemas.microsoft.com/office/drawing/2014/main" id="{3273A2D7-2C17-EADF-D064-E677AEE11B89}"/>
+              </a:ext>
+            </a:extLst>
+          </p:cNvPr>
+          <p:cNvSpPr txBox="1"/>
+          <p:nvPr/>
+        </p:nvSpPr>
+        <p:spPr>
+          <a:xfrm>
+            <a:off x="2066325" y="5485027"/>
+            <a:ext cx="2743199" cy="307777"/>
+          </a:xfrm>
+          <a:prstGeom prst="rect">
+            <a:avLst/>
+          </a:prstGeom>
+          <a:noFill/>
+        </p:spPr>
+        <p:txBody>
+          <a:bodyPr rot="0" spcFirstLastPara="0" vertOverflow="overflow" horzOverflow="overflow" vert="horz" wrap="square" lIns="91440" tIns="45720" rIns="91440" bIns="45720" numCol="1" spcCol="0" rtlCol="0" fromWordArt="0" anchor="t" anchorCtr="0" forceAA="0" compatLnSpc="1">
+            <a:prstTxWarp prst="textNoShape">
+              <a:avLst/>
+            </a:prstTxWarp>
+            <a:spAutoFit/>
+          </a:bodyPr>
+          <a:lstStyle/>
+          <a:p>
+            <a:r>
+              <a:rPr lang="ko-KR" altLang="en-US" sz="1400" b="1" dirty="0">
+                <a:latin typeface="나눔고딕"/>
+                <a:ea typeface="나눔고딕"/>
+              </a:rPr>
+              <a:t>루프 소멸</a:t>
+            </a:r>
+          </a:p>
+        </p:txBody>
+      </p:sp>
+      <p:cxnSp>
+        <p:nvCxnSpPr>
+          <p:cNvPr id="13" name="직선 화살표 연결선 12">
+            <a:extLst>
+              <a:ext uri="{FF2B5EF4-FFF2-40B4-BE49-F238E27FC236}">
+                <a16:creationId xmlns:a16="http://schemas.microsoft.com/office/drawing/2014/main" id="{C9C7827D-B721-FDDF-846E-87A713FD5EAB}"/>
+              </a:ext>
+            </a:extLst>
+          </p:cNvPr>
+          <p:cNvCxnSpPr/>
+          <p:nvPr/>
+        </p:nvCxnSpPr>
+        <p:spPr>
+          <a:xfrm>
+            <a:off x="3048170" y="1534468"/>
+            <a:ext cx="221049" cy="1374"/>
+          </a:xfrm>
+          <a:prstGeom prst="straightConnector1">
+            <a:avLst/>
+          </a:prstGeom>
+          <a:ln>
+            <a:solidFill>
+              <a:schemeClr val="accent2"/>
+            </a:solidFill>
+            <a:tailEnd type="triangle"/>
+          </a:ln>
+        </p:spPr>
+        <p:style>
+          <a:lnRef idx="1">
+            <a:schemeClr val="accent1"/>
+          </a:lnRef>
+          <a:fillRef idx="0">
+            <a:schemeClr val="accent1"/>
+          </a:fillRef>
+          <a:effectRef idx="0">
+            <a:schemeClr val="accent1"/>
+          </a:effectRef>
+          <a:fontRef idx="minor">
+            <a:schemeClr val="tx1"/>
+          </a:fontRef>
+        </p:style>
+      </p:cxnSp>
+      <p:cxnSp>
+        <p:nvCxnSpPr>
+          <p:cNvPr id="14" name="직선 화살표 연결선 13">
+            <a:extLst>
+              <a:ext uri="{FF2B5EF4-FFF2-40B4-BE49-F238E27FC236}">
+                <a16:creationId xmlns:a16="http://schemas.microsoft.com/office/drawing/2014/main" id="{0B7448FC-031C-5B6F-D548-EC5F7135FADA}"/>
+              </a:ext>
+            </a:extLst>
+          </p:cNvPr>
+          <p:cNvCxnSpPr>
+            <a:cxnSpLocks/>
+          </p:cNvCxnSpPr>
+          <p:nvPr/>
+        </p:nvCxnSpPr>
+        <p:spPr>
+          <a:xfrm>
+            <a:off x="2938332" y="3223225"/>
+            <a:ext cx="584886" cy="1374"/>
+          </a:xfrm>
+          <a:prstGeom prst="straightConnector1">
+            <a:avLst/>
+          </a:prstGeom>
+          <a:ln>
+            <a:solidFill>
+              <a:schemeClr val="accent2"/>
+            </a:solidFill>
+            <a:tailEnd type="triangle"/>
+          </a:ln>
+        </p:spPr>
+        <p:style>
+          <a:lnRef idx="1">
+            <a:schemeClr val="accent1"/>
+          </a:lnRef>
+          <a:fillRef idx="0">
+            <a:schemeClr val="accent1"/>
+          </a:fillRef>
+          <a:effectRef idx="0">
+            <a:schemeClr val="accent1"/>
+          </a:effectRef>
+          <a:fontRef idx="minor">
+            <a:schemeClr val="tx1"/>
+          </a:fontRef>
+        </p:style>
+      </p:cxnSp>
+      <p:cxnSp>
+        <p:nvCxnSpPr>
+          <p:cNvPr id="15" name="직선 화살표 연결선 14">
+            <a:extLst>
+              <a:ext uri="{FF2B5EF4-FFF2-40B4-BE49-F238E27FC236}">
+                <a16:creationId xmlns:a16="http://schemas.microsoft.com/office/drawing/2014/main" id="{6E69ED40-BEC6-013D-69C4-6D50B5E92D26}"/>
+              </a:ext>
+            </a:extLst>
+          </p:cNvPr>
+          <p:cNvCxnSpPr>
+            <a:cxnSpLocks/>
+          </p:cNvCxnSpPr>
+          <p:nvPr/>
+        </p:nvCxnSpPr>
+        <p:spPr>
+          <a:xfrm>
+            <a:off x="2938332" y="5653387"/>
+            <a:ext cx="1751912" cy="1374"/>
+          </a:xfrm>
+          <a:prstGeom prst="straightConnector1">
+            <a:avLst/>
+          </a:prstGeom>
+          <a:ln>
+            <a:solidFill>
+              <a:schemeClr val="accent2"/>
+            </a:solidFill>
+            <a:tailEnd type="triangle"/>
+          </a:ln>
+        </p:spPr>
+        <p:style>
+          <a:lnRef idx="1">
+            <a:schemeClr val="accent1"/>
+          </a:lnRef>
+          <a:fillRef idx="0">
+            <a:schemeClr val="accent1"/>
+          </a:fillRef>
+          <a:effectRef idx="0">
+            <a:schemeClr val="accent1"/>
+          </a:effectRef>
+          <a:fontRef idx="minor">
+            <a:schemeClr val="tx1"/>
+          </a:fontRef>
+        </p:style>
+      </p:cxnSp>
     </p:spTree>
     <p:extLst>
       <p:ext uri="{BB962C8B-B14F-4D97-AF65-F5344CB8AC3E}">

--- a/Documentation/게임제작1_01_버거조.ppt.pptx
+++ b/Documentation/게임제작1_01_버거조.ppt.pptx
@@ -157,7 +157,7 @@
     <p1510:client id="{AF300323-29B9-9C62-8655-7ACADB875241}" v="2338" dt="2024-10-13T14:54:26.572"/>
     <p1510:client id="{CCE00B97-7342-AE1A-5E07-0469D0365751}" v="439" dt="2024-10-14T13:02:44.889"/>
     <p1510:client id="{DD632B9D-DBC1-281C-2468-DAF172B253F9}" v="1585" dt="2024-10-14T12:34:18.142"/>
-    <p1510:client id="{EE552E93-F33E-C66F-3172-6EDCA3EF7E03}" v="72" dt="2024-10-14T15:22:40.423"/>
+    <p1510:client id="{EE552E93-F33E-C66F-3172-6EDCA3EF7E03}" v="83" dt="2024-10-14T15:38:02.547"/>
   </p1510:revLst>
 </p1510:revInfo>
 </file>
@@ -13542,14 +13542,14 @@
           <p:nvPr>
             <p:extLst>
               <p:ext uri="{D42A27DB-BD31-4B8C-83A1-F6EECF244321}">
-                <p14:modId xmlns:p14="http://schemas.microsoft.com/office/powerpoint/2010/main" val="2762212553"/>
+                <p14:modId xmlns:p14="http://schemas.microsoft.com/office/powerpoint/2010/main" val="3979050656"/>
               </p:ext>
             </p:extLst>
           </p:nvPr>
         </p:nvGraphicFramePr>
         <p:xfrm>
           <a:off x="6147302" y="1232272"/>
-          <a:ext cx="5102446" cy="4731976"/>
+          <a:ext cx="5102446" cy="4448224"/>
         </p:xfrm>
         <a:graphic>
           <a:graphicData uri="http://schemas.openxmlformats.org/drawingml/2006/table">
@@ -13573,7 +13573,7 @@
                   </a:extLst>
                 </a:gridCol>
               </a:tblGrid>
-              <a:tr h="397142">
+              <a:tr h="356276">
                 <a:tc>
                   <a:txBody>
                     <a:bodyPr/>
@@ -13609,7 +13609,7 @@
                   </a:ext>
                 </a:extLst>
               </a:tr>
-              <a:tr h="511342">
+              <a:tr h="454559">
                 <a:tc>
                   <a:txBody>
                     <a:bodyPr/>
@@ -13645,7 +13645,7 @@
                   </a:ext>
                 </a:extLst>
               </a:tr>
-              <a:tr h="489808">
+              <a:tr h="460701">
                 <a:tc>
                   <a:txBody>
                     <a:bodyPr/>
@@ -13694,7 +13694,7 @@
                   </a:ext>
                 </a:extLst>
               </a:tr>
-              <a:tr h="357428">
+              <a:tr h="651125">
                 <a:tc>
                   <a:txBody>
                     <a:bodyPr/>
@@ -13804,7 +13804,7 @@
                   </a:ext>
                 </a:extLst>
               </a:tr>
-              <a:tr h="304476">
+              <a:tr h="270278">
                 <a:tc>
                   <a:txBody>
                     <a:bodyPr/>
@@ -13855,7 +13855,7 @@
                   </a:ext>
                 </a:extLst>
               </a:tr>
-              <a:tr h="489808">
+              <a:tr h="651125">
                 <a:tc>
                   <a:txBody>
                     <a:bodyPr/>
@@ -13941,7 +13941,7 @@
                   </a:ext>
                 </a:extLst>
               </a:tr>
-              <a:tr h="622190">
+              <a:tr h="558985">
                 <a:tc>
                   <a:txBody>
                     <a:bodyPr/>
@@ -14026,8 +14026,8 @@
                   </a:ext>
                 </a:extLst>
               </a:tr>
-              <a:tr h="489808">
-                <a:tc>
+              <a:tr h="792404">
+                <a:tc gridSpan="2">
                   <a:txBody>
                     <a:bodyPr/>
                     <a:lstStyle/>
@@ -14035,129 +14035,6 @@
                       <a:pPr lvl="0">
                         <a:buNone/>
                       </a:pPr>
-                      <a:r>
-                        <a:rPr lang="en-US" altLang="ko-KR" sz="1400" b="1" dirty="0"/>
-                        <a:t>6</a:t>
-                      </a:r>
-                      <a:endParaRPr lang="ko-KR" altLang="en-US" sz="1400" b="1" dirty="0"/>
-                    </a:p>
-                  </a:txBody>
-                  <a:tcPr/>
-                </a:tc>
-                <a:tc>
-                  <a:txBody>
-                    <a:bodyPr/>
-                    <a:lstStyle/>
-                    <a:p>
-                      <a:pPr marL="0" lvl="0" indent="0">
-                        <a:buFontTx/>
-                        <a:buNone/>
-                      </a:pPr>
-                      <a:r>
-                        <a:rPr lang="en-US" altLang="ko-KR" sz="1400" b="1" baseline="0" err="1">
-                          <a:solidFill>
-                            <a:srgbClr val="000000"/>
-                          </a:solidFill>
-                        </a:rPr>
-                        <a:t>재료들의</a:t>
-                      </a:r>
-                      <a:r>
-                        <a:rPr lang="en-US" altLang="ko-KR" sz="1400" b="1" baseline="0" dirty="0">
-                          <a:solidFill>
-                            <a:srgbClr val="000000"/>
-                          </a:solidFill>
-                        </a:rPr>
-                        <a:t> 키 </a:t>
-                      </a:r>
-                      <a:r>
-                        <a:rPr lang="en-US" altLang="ko-KR" sz="1400" b="1" baseline="0" err="1">
-                          <a:solidFill>
-                            <a:srgbClr val="000000"/>
-                          </a:solidFill>
-                        </a:rPr>
-                        <a:t>바인딩</a:t>
-                      </a:r>
-                      <a:r>
-                        <a:rPr lang="en-US" altLang="ko-KR" sz="1400" b="1" baseline="0" dirty="0">
-                          <a:solidFill>
-                            <a:srgbClr val="000000"/>
-                          </a:solidFill>
-                        </a:rPr>
-                        <a:t> 및</a:t>
-                      </a:r>
-                      <a:endParaRPr lang="ko-KR" altLang="en-US" sz="1400" b="1">
-                        <a:solidFill>
-                          <a:srgbClr val="000000"/>
-                        </a:solidFill>
-                      </a:endParaRPr>
-                    </a:p>
-                    <a:p>
-                      <a:pPr marL="0" lvl="0" indent="0">
-                        <a:buFontTx/>
-                        <a:buNone/>
-                      </a:pPr>
-                      <a:r>
-                        <a:rPr lang="en-US" altLang="ko-KR" sz="1400" b="1" baseline="0" err="1">
-                          <a:solidFill>
-                            <a:srgbClr val="000000"/>
-                          </a:solidFill>
-                        </a:rPr>
-                        <a:t>대화창이</a:t>
-                      </a:r>
-                      <a:r>
-                        <a:rPr lang="en-US" altLang="ko-KR" sz="1400" b="1" baseline="0" dirty="0">
-                          <a:solidFill>
-                            <a:srgbClr val="000000"/>
-                          </a:solidFill>
-                        </a:rPr>
-                        <a:t> </a:t>
-                      </a:r>
-                      <a:r>
-                        <a:rPr lang="en-US" altLang="ko-KR" sz="1400" b="1" baseline="0" err="1">
-                          <a:solidFill>
-                            <a:srgbClr val="000000"/>
-                          </a:solidFill>
-                        </a:rPr>
-                        <a:t>표시되는</a:t>
-                      </a:r>
-                      <a:r>
-                        <a:rPr lang="en-US" altLang="ko-KR" sz="1400" b="1" baseline="0" dirty="0">
-                          <a:solidFill>
-                            <a:srgbClr val="000000"/>
-                          </a:solidFill>
-                        </a:rPr>
-                        <a:t> </a:t>
-                      </a:r>
-                      <a:r>
-                        <a:rPr lang="en-US" altLang="ko-KR" sz="1400" b="1" baseline="0" err="1">
-                          <a:solidFill>
-                            <a:srgbClr val="000000"/>
-                          </a:solidFill>
-                        </a:rPr>
-                        <a:t>공간</a:t>
-                      </a:r>
-                      <a:endParaRPr lang="en-US" altLang="ko-KR" sz="1400" b="1" baseline="0">
-                        <a:solidFill>
-                          <a:srgbClr val="000000"/>
-                        </a:solidFill>
-                      </a:endParaRPr>
-                    </a:p>
-                  </a:txBody>
-                  <a:tcPr anchor="ctr"/>
-                </a:tc>
-                <a:extLst>
-                  <a:ext uri="{0D108BD9-81ED-4DB2-BD59-A6C34878D82A}">
-                    <a16:rowId xmlns:a16="http://schemas.microsoft.com/office/drawing/2014/main" val="10005"/>
-                  </a:ext>
-                </a:extLst>
-              </a:tr>
-              <a:tr h="397142">
-                <a:tc gridSpan="2">
-                  <a:txBody>
-                    <a:bodyPr/>
-                    <a:lstStyle/>
-                    <a:p>
-                      <a:pPr latinLnBrk="1"/>
                       <a:endParaRPr lang="en-US" altLang="ko-KR" sz="1400" b="1" dirty="0"/>
                     </a:p>
                   </a:txBody>
@@ -14171,11 +14048,11 @@
                       <a:endParaRPr lang="ko-KR" altLang="en-US"/>
                     </a:p>
                   </a:txBody>
-                  <a:tcPr marL="0" marR="0" marT="0" marB="0" horzOverflow="overflow"/>
+                  <a:tcPr anchor="ctr"/>
                 </a:tc>
                 <a:extLst>
                   <a:ext uri="{0D108BD9-81ED-4DB2-BD59-A6C34878D82A}">
-                    <a16:rowId xmlns:a16="http://schemas.microsoft.com/office/drawing/2014/main" val="10007"/>
+                    <a16:rowId xmlns:a16="http://schemas.microsoft.com/office/drawing/2014/main" val="10005"/>
                   </a:ext>
                 </a:extLst>
               </a:tr>
